--- a/Documents/Oiseau qui fait brrrr.pptx
+++ b/Documents/Oiseau qui fait brrrr.pptx
@@ -9,9 +9,11 @@
     <p:sldId id="257" r:id="rId3"/>
     <p:sldId id="258" r:id="rId4"/>
     <p:sldId id="261" r:id="rId5"/>
-    <p:sldId id="262" r:id="rId6"/>
-    <p:sldId id="260" r:id="rId7"/>
-    <p:sldId id="259" r:id="rId8"/>
+    <p:sldId id="264" r:id="rId6"/>
+    <p:sldId id="262" r:id="rId7"/>
+    <p:sldId id="263" r:id="rId8"/>
+    <p:sldId id="260" r:id="rId9"/>
+    <p:sldId id="259" r:id="rId10"/>
   </p:sldIdLst>
   <p:sldSz cx="12192000" cy="6858000"/>
   <p:notesSz cx="6858000" cy="9144000"/>
@@ -110,6 +112,11 @@
       </a:defRPr>
     </a:lvl9pPr>
   </p:defaultTextStyle>
+  <p:extLst>
+    <p:ext uri="{EFAFB233-063F-42B5-8137-9DF3F51BA10A}">
+      <p15:sldGuideLst xmlns:p15="http://schemas.microsoft.com/office/powerpoint/2012/main"/>
+    </p:ext>
+  </p:extLst>
 </p:presentation>
 </file>
 
@@ -260,7 +267,7 @@
           <a:p>
             <a:fld id="{FE0551F4-6C62-42E5-A562-C69B050529F5}" type="datetimeFigureOut">
               <a:rPr lang="fr-FR" smtClean="0"/>
-              <a:t>19/02/2022</a:t>
+              <a:t>20/02/2022</a:t>
             </a:fld>
             <a:endParaRPr lang="fr-FR"/>
           </a:p>
@@ -458,7 +465,7 @@
           <a:p>
             <a:fld id="{FE0551F4-6C62-42E5-A562-C69B050529F5}" type="datetimeFigureOut">
               <a:rPr lang="fr-FR" smtClean="0"/>
-              <a:t>19/02/2022</a:t>
+              <a:t>20/02/2022</a:t>
             </a:fld>
             <a:endParaRPr lang="fr-FR"/>
           </a:p>
@@ -666,7 +673,7 @@
           <a:p>
             <a:fld id="{FE0551F4-6C62-42E5-A562-C69B050529F5}" type="datetimeFigureOut">
               <a:rPr lang="fr-FR" smtClean="0"/>
-              <a:t>19/02/2022</a:t>
+              <a:t>20/02/2022</a:t>
             </a:fld>
             <a:endParaRPr lang="fr-FR"/>
           </a:p>
@@ -864,7 +871,7 @@
           <a:p>
             <a:fld id="{FE0551F4-6C62-42E5-A562-C69B050529F5}" type="datetimeFigureOut">
               <a:rPr lang="fr-FR" smtClean="0"/>
-              <a:t>19/02/2022</a:t>
+              <a:t>20/02/2022</a:t>
             </a:fld>
             <a:endParaRPr lang="fr-FR"/>
           </a:p>
@@ -1139,7 +1146,7 @@
           <a:p>
             <a:fld id="{FE0551F4-6C62-42E5-A562-C69B050529F5}" type="datetimeFigureOut">
               <a:rPr lang="fr-FR" smtClean="0"/>
-              <a:t>19/02/2022</a:t>
+              <a:t>20/02/2022</a:t>
             </a:fld>
             <a:endParaRPr lang="fr-FR"/>
           </a:p>
@@ -1404,7 +1411,7 @@
           <a:p>
             <a:fld id="{FE0551F4-6C62-42E5-A562-C69B050529F5}" type="datetimeFigureOut">
               <a:rPr lang="fr-FR" smtClean="0"/>
-              <a:t>19/02/2022</a:t>
+              <a:t>20/02/2022</a:t>
             </a:fld>
             <a:endParaRPr lang="fr-FR"/>
           </a:p>
@@ -1816,7 +1823,7 @@
           <a:p>
             <a:fld id="{FE0551F4-6C62-42E5-A562-C69B050529F5}" type="datetimeFigureOut">
               <a:rPr lang="fr-FR" smtClean="0"/>
-              <a:t>19/02/2022</a:t>
+              <a:t>20/02/2022</a:t>
             </a:fld>
             <a:endParaRPr lang="fr-FR"/>
           </a:p>
@@ -1957,7 +1964,7 @@
           <a:p>
             <a:fld id="{FE0551F4-6C62-42E5-A562-C69B050529F5}" type="datetimeFigureOut">
               <a:rPr lang="fr-FR" smtClean="0"/>
-              <a:t>19/02/2022</a:t>
+              <a:t>20/02/2022</a:t>
             </a:fld>
             <a:endParaRPr lang="fr-FR"/>
           </a:p>
@@ -2070,7 +2077,7 @@
           <a:p>
             <a:fld id="{FE0551F4-6C62-42E5-A562-C69B050529F5}" type="datetimeFigureOut">
               <a:rPr lang="fr-FR" smtClean="0"/>
-              <a:t>19/02/2022</a:t>
+              <a:t>20/02/2022</a:t>
             </a:fld>
             <a:endParaRPr lang="fr-FR"/>
           </a:p>
@@ -2381,7 +2388,7 @@
           <a:p>
             <a:fld id="{FE0551F4-6C62-42E5-A562-C69B050529F5}" type="datetimeFigureOut">
               <a:rPr lang="fr-FR" smtClean="0"/>
-              <a:t>19/02/2022</a:t>
+              <a:t>20/02/2022</a:t>
             </a:fld>
             <a:endParaRPr lang="fr-FR"/>
           </a:p>
@@ -2669,7 +2676,7 @@
           <a:p>
             <a:fld id="{FE0551F4-6C62-42E5-A562-C69B050529F5}" type="datetimeFigureOut">
               <a:rPr lang="fr-FR" smtClean="0"/>
-              <a:t>19/02/2022</a:t>
+              <a:t>20/02/2022</a:t>
             </a:fld>
             <a:endParaRPr lang="fr-FR"/>
           </a:p>
@@ -2910,7 +2917,7 @@
           <a:p>
             <a:fld id="{FE0551F4-6C62-42E5-A562-C69B050529F5}" type="datetimeFigureOut">
               <a:rPr lang="fr-FR" smtClean="0"/>
-              <a:t>19/02/2022</a:t>
+              <a:t>20/02/2022</a:t>
             </a:fld>
             <a:endParaRPr lang="fr-FR"/>
           </a:p>
@@ -3476,27 +3483,22 @@
             <a:pPr lvl="1"/>
             <a:r>
               <a:rPr lang="fr-FR" dirty="0"/>
-              <a:t>1) tempo</a:t>
+              <a:t>1) Tempo</a:t>
             </a:r>
           </a:p>
           <a:p>
             <a:pPr lvl="1"/>
             <a:r>
               <a:rPr lang="fr-FR" dirty="0"/>
-              <a:t>2) intentions</a:t>
+              <a:t>2) Intentions</a:t>
             </a:r>
           </a:p>
           <a:p>
             <a:pPr lvl="1"/>
             <a:r>
               <a:rPr lang="fr-FR" dirty="0"/>
-              <a:t>3) </a:t>
-            </a:r>
-            <a:r>
-              <a:rPr lang="fr-FR" dirty="0" err="1"/>
-              <a:t>reférences</a:t>
-            </a:r>
-            <a:endParaRPr lang="fr-FR" dirty="0"/>
+              <a:t>3) Références</a:t>
+            </a:r>
           </a:p>
           <a:p>
             <a:r>
@@ -3549,7 +3551,7 @@
             <a:pPr lvl="1"/>
             <a:r>
               <a:rPr lang="fr-FR" dirty="0"/>
-              <a:t>1) diagramme de </a:t>
+              <a:t>1) Diagramme de </a:t>
             </a:r>
             <a:r>
               <a:rPr lang="fr-FR" dirty="0" err="1"/>
@@ -3561,7 +3563,7 @@
             <a:pPr lvl="1"/>
             <a:r>
               <a:rPr lang="fr-FR" dirty="0"/>
-              <a:t>2) perspective d’avenir/avancement projet</a:t>
+              <a:t>2) Perspective d’avenir/avancement projet</a:t>
             </a:r>
           </a:p>
         </p:txBody>
@@ -3725,10 +3727,65 @@
         </p:nvSpPr>
         <p:spPr/>
         <p:txBody>
-          <a:bodyPr/>
-          <a:lstStyle/>
-          <a:p>
-            <a:endParaRPr lang="fr-FR"/>
+          <a:bodyPr>
+            <a:normAutofit lnSpcReduction="10000"/>
+          </a:bodyPr>
+          <a:lstStyle/>
+          <a:p>
+            <a:endParaRPr lang="fr-FR" dirty="0"/>
+          </a:p>
+          <a:p>
+            <a:r>
+              <a:rPr lang="fr-FR" dirty="0"/>
+              <a:t>Faire découvrir au joueur des éléments dans un temps imparti, avec un système de boucle qui lui permet d’analyser son environnements à chaque cycle. </a:t>
+            </a:r>
+            <a:r>
+              <a:rPr lang="fr-FR" dirty="0">
+                <a:sym typeface="Wingdings" panose="05000000000000000000" pitchFamily="2" charset="2"/>
+              </a:rPr>
+              <a:t> exploration et réflexion</a:t>
+            </a:r>
+            <a:endParaRPr lang="fr-FR" dirty="0"/>
+          </a:p>
+          <a:p>
+            <a:endParaRPr lang="fr-FR" dirty="0"/>
+          </a:p>
+          <a:p>
+            <a:r>
+              <a:rPr lang="fr-FR" dirty="0"/>
+              <a:t>Chaque niveau possède son propre rythme avec des </a:t>
+            </a:r>
+            <a:r>
+              <a:rPr lang="fr-FR" dirty="0" err="1"/>
+              <a:t>élements</a:t>
+            </a:r>
+            <a:r>
+              <a:rPr lang="fr-FR" dirty="0"/>
+              <a:t> en son sein qui évolue durant la boucle </a:t>
+            </a:r>
+            <a:r>
+              <a:rPr lang="fr-FR" dirty="0">
+                <a:sym typeface="Wingdings" panose="05000000000000000000" pitchFamily="2" charset="2"/>
+              </a:rPr>
+              <a:t> apprendre et s’adapter</a:t>
+            </a:r>
+            <a:endParaRPr lang="fr-FR" dirty="0"/>
+          </a:p>
+          <a:p>
+            <a:endParaRPr lang="fr-FR" dirty="0"/>
+          </a:p>
+          <a:p>
+            <a:r>
+              <a:rPr lang="fr-FR" dirty="0"/>
+              <a:t>Certains éléments ne seraient pas impacté par la réinitialisation de la boucle </a:t>
+            </a:r>
+            <a:r>
+              <a:rPr lang="fr-FR" dirty="0">
+                <a:sym typeface="Wingdings" panose="05000000000000000000" pitchFamily="2" charset="2"/>
+              </a:rPr>
+              <a:t> nouveaux angles de réflexion</a:t>
+            </a:r>
+            <a:endParaRPr lang="fr-FR" dirty="0"/>
           </a:p>
         </p:txBody>
       </p:sp>
@@ -3785,40 +3842,238 @@
           <a:p>
             <a:r>
               <a:rPr lang="fr-FR" dirty="0"/>
-              <a:t>références </a:t>
-            </a:r>
-          </a:p>
-        </p:txBody>
-      </p:sp>
-      <p:sp>
-        <p:nvSpPr>
-          <p:cNvPr id="3" name="Espace réservé du contenu 2">
-            <a:extLst>
-              <a:ext uri="{FF2B5EF4-FFF2-40B4-BE49-F238E27FC236}">
-                <a16:creationId xmlns:a16="http://schemas.microsoft.com/office/drawing/2014/main" id="{2F472399-789B-4429-983B-25A477EC5895}"/>
-              </a:ext>
-            </a:extLst>
-          </p:cNvPr>
-          <p:cNvSpPr>
-            <a:spLocks noGrp="1"/>
-          </p:cNvSpPr>
-          <p:nvPr>
-            <p:ph idx="1"/>
-          </p:nvPr>
-        </p:nvSpPr>
-        <p:spPr/>
-        <p:txBody>
-          <a:bodyPr/>
-          <a:lstStyle/>
-          <a:p>
-            <a:endParaRPr lang="fr-FR"/>
+              <a:t>Références – La boucle  </a:t>
+            </a:r>
+          </a:p>
+        </p:txBody>
+      </p:sp>
+      <p:sp>
+        <p:nvSpPr>
+          <p:cNvPr id="4" name="Espace réservé du contenu 3">
+            <a:extLst>
+              <a:ext uri="{FF2B5EF4-FFF2-40B4-BE49-F238E27FC236}">
+                <a16:creationId xmlns:a16="http://schemas.microsoft.com/office/drawing/2014/main" id="{2D3716B2-8C0D-4BE3-8AA6-BFB20D78DDAA}"/>
+              </a:ext>
+            </a:extLst>
+          </p:cNvPr>
+          <p:cNvSpPr>
+            <a:spLocks noGrp="1"/>
+          </p:cNvSpPr>
+          <p:nvPr>
+            <p:ph sz="half" idx="1"/>
+          </p:nvPr>
+        </p:nvSpPr>
+        <p:spPr/>
+        <p:txBody>
+          <a:bodyPr/>
+          <a:lstStyle/>
+          <a:p>
+            <a:endParaRPr lang="fr-FR" dirty="0"/>
+          </a:p>
+        </p:txBody>
+      </p:sp>
+      <p:pic>
+        <p:nvPicPr>
+          <p:cNvPr id="1028" name="Picture 4" descr="https://cdn1.epicgames.com/salesEvent/salesEvent/EGS_DEATHLOOP_ArkaneStudios_S1_2560x1440-bf6d342edbd2411ccf24e326852fca93">
+            <a:extLst>
+              <a:ext uri="{FF2B5EF4-FFF2-40B4-BE49-F238E27FC236}">
+                <a16:creationId xmlns:a16="http://schemas.microsoft.com/office/drawing/2014/main" id="{2FF4D097-C78A-4F45-AF52-186F4DB3C0D6}"/>
+              </a:ext>
+            </a:extLst>
+          </p:cNvPr>
+          <p:cNvPicPr>
+            <a:picLocks noChangeAspect="1" noChangeArrowheads="1"/>
+          </p:cNvPicPr>
+          <p:nvPr/>
+        </p:nvPicPr>
+        <p:blipFill>
+          <a:blip r:embed="rId2">
+            <a:extLst>
+              <a:ext uri="{28A0092B-C50C-407E-A947-70E740481C1C}">
+                <a14:useLocalDpi xmlns:a14="http://schemas.microsoft.com/office/drawing/2010/main" val="0"/>
+              </a:ext>
+            </a:extLst>
+          </a:blip>
+          <a:srcRect/>
+          <a:stretch>
+            <a:fillRect/>
+          </a:stretch>
+        </p:blipFill>
+        <p:spPr bwMode="auto">
+          <a:xfrm>
+            <a:off x="838200" y="2543968"/>
+            <a:ext cx="5181600" cy="2914651"/>
+          </a:xfrm>
+          <a:prstGeom prst="rect">
+            <a:avLst/>
+          </a:prstGeom>
+          <a:noFill/>
+          <a:extLst>
+            <a:ext uri="{909E8E84-426E-40DD-AFC4-6F175D3DCCD1}">
+              <a14:hiddenFill xmlns:a14="http://schemas.microsoft.com/office/drawing/2010/main">
+                <a:solidFill>
+                  <a:srgbClr val="FFFFFF"/>
+                </a:solidFill>
+              </a14:hiddenFill>
+            </a:ext>
+          </a:extLst>
+        </p:spPr>
+      </p:pic>
+      <p:pic>
+        <p:nvPicPr>
+          <p:cNvPr id="1030" name="Picture 6" descr="https://cdn2.unrealengine.com/Diesel%2Fproductv2%2Fminit%2Fhome%2FEGS_DEVOLVER_MINIT_N1_newsfeed_primary-2560x1440-318e6762d0f76b27a07b86271b432bbee92fef2b.jpg">
+            <a:extLst>
+              <a:ext uri="{FF2B5EF4-FFF2-40B4-BE49-F238E27FC236}">
+                <a16:creationId xmlns:a16="http://schemas.microsoft.com/office/drawing/2014/main" id="{100D78ED-98CC-43BB-8808-D68532880F89}"/>
+              </a:ext>
+            </a:extLst>
+          </p:cNvPr>
+          <p:cNvPicPr>
+            <a:picLocks noGrp="1" noChangeAspect="1" noChangeArrowheads="1"/>
+          </p:cNvPicPr>
+          <p:nvPr>
+            <p:ph sz="half" idx="2"/>
+          </p:nvPr>
+        </p:nvPicPr>
+        <p:blipFill>
+          <a:blip r:embed="rId3">
+            <a:extLst>
+              <a:ext uri="{28A0092B-C50C-407E-A947-70E740481C1C}">
+                <a14:useLocalDpi xmlns:a14="http://schemas.microsoft.com/office/drawing/2010/main" val="0"/>
+              </a:ext>
+            </a:extLst>
+          </a:blip>
+          <a:srcRect/>
+          <a:stretch>
+            <a:fillRect/>
+          </a:stretch>
+        </p:blipFill>
+        <p:spPr bwMode="auto">
+          <a:xfrm>
+            <a:off x="6172200" y="2543969"/>
+            <a:ext cx="5181600" cy="2914650"/>
+          </a:xfrm>
+          <a:prstGeom prst="rect">
+            <a:avLst/>
+          </a:prstGeom>
+          <a:noFill/>
+          <a:extLst>
+            <a:ext uri="{909E8E84-426E-40DD-AFC4-6F175D3DCCD1}">
+              <a14:hiddenFill xmlns:a14="http://schemas.microsoft.com/office/drawing/2010/main">
+                <a:solidFill>
+                  <a:srgbClr val="FFFFFF"/>
+                </a:solidFill>
+              </a14:hiddenFill>
+            </a:ext>
+          </a:extLst>
+        </p:spPr>
+      </p:pic>
+      <p:sp>
+        <p:nvSpPr>
+          <p:cNvPr id="6" name="ZoneTexte 5">
+            <a:extLst>
+              <a:ext uri="{FF2B5EF4-FFF2-40B4-BE49-F238E27FC236}">
+                <a16:creationId xmlns:a16="http://schemas.microsoft.com/office/drawing/2014/main" id="{2EB0E6AC-F0C7-46FD-83DA-F1FCEFC46EAC}"/>
+              </a:ext>
+            </a:extLst>
+          </p:cNvPr>
+          <p:cNvSpPr txBox="1"/>
+          <p:nvPr/>
+        </p:nvSpPr>
+        <p:spPr>
+          <a:xfrm>
+            <a:off x="767177" y="5424279"/>
+            <a:ext cx="5252623" cy="307777"/>
+          </a:xfrm>
+          <a:prstGeom prst="rect">
+            <a:avLst/>
+          </a:prstGeom>
+          <a:noFill/>
+        </p:spPr>
+        <p:txBody>
+          <a:bodyPr wrap="square" rtlCol="0">
+            <a:spAutoFit/>
+          </a:bodyPr>
+          <a:lstStyle/>
+          <a:p>
+            <a:r>
+              <a:rPr lang="fr-FR" sz="1400" i="1" dirty="0" err="1"/>
+              <a:t>Deathloop</a:t>
+            </a:r>
+            <a:r>
+              <a:rPr lang="fr-FR" sz="1400" dirty="0"/>
+              <a:t>, de </a:t>
+            </a:r>
+            <a:r>
+              <a:rPr lang="fr-FR" sz="1400" dirty="0" err="1"/>
+              <a:t>Arkane</a:t>
+            </a:r>
+            <a:r>
+              <a:rPr lang="fr-FR" sz="1400" dirty="0"/>
+              <a:t> Studios, édité par Bethesda Software, 2021</a:t>
+            </a:r>
+          </a:p>
+        </p:txBody>
+      </p:sp>
+      <p:sp>
+        <p:nvSpPr>
+          <p:cNvPr id="7" name="ZoneTexte 6">
+            <a:extLst>
+              <a:ext uri="{FF2B5EF4-FFF2-40B4-BE49-F238E27FC236}">
+                <a16:creationId xmlns:a16="http://schemas.microsoft.com/office/drawing/2014/main" id="{43F5FAF9-ADAB-4180-8569-6C683968C942}"/>
+              </a:ext>
+            </a:extLst>
+          </p:cNvPr>
+          <p:cNvSpPr txBox="1"/>
+          <p:nvPr/>
+        </p:nvSpPr>
+        <p:spPr>
+          <a:xfrm>
+            <a:off x="6019800" y="5424279"/>
+            <a:ext cx="5181600" cy="307777"/>
+          </a:xfrm>
+          <a:prstGeom prst="rect">
+            <a:avLst/>
+          </a:prstGeom>
+          <a:noFill/>
+        </p:spPr>
+        <p:txBody>
+          <a:bodyPr wrap="square" rtlCol="0">
+            <a:spAutoFit/>
+          </a:bodyPr>
+          <a:lstStyle/>
+          <a:p>
+            <a:r>
+              <a:rPr lang="fr-FR" sz="1400" i="1" dirty="0" err="1"/>
+              <a:t>Minit</a:t>
+            </a:r>
+            <a:r>
+              <a:rPr lang="fr-FR" sz="1400" dirty="0"/>
+              <a:t>, de JW, Kitty, </a:t>
+            </a:r>
+            <a:r>
+              <a:rPr lang="fr-FR" sz="1400" dirty="0" err="1"/>
+              <a:t>Jukio</a:t>
+            </a:r>
+            <a:r>
+              <a:rPr lang="fr-FR" sz="1400" dirty="0"/>
+              <a:t>, Dom, édité par </a:t>
+            </a:r>
+            <a:r>
+              <a:rPr lang="fr-FR" sz="1400" dirty="0" err="1"/>
+              <a:t>Devolver</a:t>
+            </a:r>
+            <a:r>
+              <a:rPr lang="fr-FR" sz="1400" dirty="0"/>
+              <a:t> Digital, 2018</a:t>
+            </a:r>
           </a:p>
         </p:txBody>
       </p:sp>
     </p:spTree>
     <p:extLst>
       <p:ext uri="{BB962C8B-B14F-4D97-AF65-F5344CB8AC3E}">
-        <p14:creationId xmlns:p14="http://schemas.microsoft.com/office/powerpoint/2010/main" val="4104054525"/>
+        <p14:creationId xmlns:p14="http://schemas.microsoft.com/office/powerpoint/2010/main" val="1061082702"/>
       </p:ext>
     </p:extLst>
   </p:cSld>
@@ -3850,6 +4105,542 @@
           <p:cNvPr id="2" name="Titre 1">
             <a:extLst>
               <a:ext uri="{FF2B5EF4-FFF2-40B4-BE49-F238E27FC236}">
+                <a16:creationId xmlns:a16="http://schemas.microsoft.com/office/drawing/2014/main" id="{7B7E37D8-D604-4081-BC32-2961BB34D7C5}"/>
+              </a:ext>
+            </a:extLst>
+          </p:cNvPr>
+          <p:cNvSpPr>
+            <a:spLocks noGrp="1"/>
+          </p:cNvSpPr>
+          <p:nvPr>
+            <p:ph type="title"/>
+          </p:nvPr>
+        </p:nvSpPr>
+        <p:spPr/>
+        <p:txBody>
+          <a:bodyPr/>
+          <a:lstStyle/>
+          <a:p>
+            <a:r>
+              <a:rPr lang="fr-FR" dirty="0"/>
+              <a:t>Références – Le déplacement  </a:t>
+            </a:r>
+          </a:p>
+        </p:txBody>
+      </p:sp>
+      <p:pic>
+        <p:nvPicPr>
+          <p:cNvPr id="2052" name="Picture 4" descr="https://assets.nintendo.com/image/upload/ar_16:9,b_auto,c_pad,dpr_3.0,f_auto,q_auto,w_500/b_rgb:ffffff/v1/ncom/fr_CA/games/switch/s/superhot-switch/hero">
+            <a:extLst>
+              <a:ext uri="{FF2B5EF4-FFF2-40B4-BE49-F238E27FC236}">
+                <a16:creationId xmlns:a16="http://schemas.microsoft.com/office/drawing/2014/main" id="{DE89C4A3-28D5-49D5-826D-3BB3CFC66BD1}"/>
+              </a:ext>
+            </a:extLst>
+          </p:cNvPr>
+          <p:cNvPicPr>
+            <a:picLocks noGrp="1" noChangeAspect="1" noChangeArrowheads="1"/>
+          </p:cNvPicPr>
+          <p:nvPr>
+            <p:ph sz="half" idx="1"/>
+          </p:nvPr>
+        </p:nvPicPr>
+        <p:blipFill>
+          <a:blip r:embed="rId2">
+            <a:extLst>
+              <a:ext uri="{28A0092B-C50C-407E-A947-70E740481C1C}">
+                <a14:useLocalDpi xmlns:a14="http://schemas.microsoft.com/office/drawing/2010/main" val="0"/>
+              </a:ext>
+            </a:extLst>
+          </a:blip>
+          <a:srcRect/>
+          <a:stretch>
+            <a:fillRect/>
+          </a:stretch>
+        </p:blipFill>
+        <p:spPr bwMode="auto">
+          <a:xfrm>
+            <a:off x="838200" y="2543537"/>
+            <a:ext cx="5181600" cy="2915513"/>
+          </a:xfrm>
+          <a:prstGeom prst="rect">
+            <a:avLst/>
+          </a:prstGeom>
+          <a:noFill/>
+          <a:extLst>
+            <a:ext uri="{909E8E84-426E-40DD-AFC4-6F175D3DCCD1}">
+              <a14:hiddenFill xmlns:a14="http://schemas.microsoft.com/office/drawing/2010/main">
+                <a:solidFill>
+                  <a:srgbClr val="FFFFFF"/>
+                </a:solidFill>
+              </a14:hiddenFill>
+            </a:ext>
+          </a:extLst>
+        </p:spPr>
+      </p:pic>
+      <p:pic>
+        <p:nvPicPr>
+          <p:cNvPr id="2058" name="Picture 10" descr="https://www.pdvg.it/wp-content/uploads/2020/03/Pok%C3%A9mon-Mystery-Dungeon_copertina.jpg">
+            <a:extLst>
+              <a:ext uri="{FF2B5EF4-FFF2-40B4-BE49-F238E27FC236}">
+                <a16:creationId xmlns:a16="http://schemas.microsoft.com/office/drawing/2014/main" id="{EE29FD53-4C02-450F-850C-BF3B62CE7741}"/>
+              </a:ext>
+            </a:extLst>
+          </p:cNvPr>
+          <p:cNvPicPr>
+            <a:picLocks noGrp="1" noChangeAspect="1" noChangeArrowheads="1"/>
+          </p:cNvPicPr>
+          <p:nvPr>
+            <p:ph sz="half" idx="2"/>
+          </p:nvPr>
+        </p:nvPicPr>
+        <p:blipFill>
+          <a:blip r:embed="rId3">
+            <a:extLst>
+              <a:ext uri="{28A0092B-C50C-407E-A947-70E740481C1C}">
+                <a14:useLocalDpi xmlns:a14="http://schemas.microsoft.com/office/drawing/2010/main" val="0"/>
+              </a:ext>
+            </a:extLst>
+          </a:blip>
+          <a:srcRect/>
+          <a:stretch>
+            <a:fillRect/>
+          </a:stretch>
+        </p:blipFill>
+        <p:spPr bwMode="auto">
+          <a:xfrm>
+            <a:off x="6172200" y="2543969"/>
+            <a:ext cx="5181600" cy="2914650"/>
+          </a:xfrm>
+          <a:prstGeom prst="rect">
+            <a:avLst/>
+          </a:prstGeom>
+          <a:noFill/>
+          <a:extLst>
+            <a:ext uri="{909E8E84-426E-40DD-AFC4-6F175D3DCCD1}">
+              <a14:hiddenFill xmlns:a14="http://schemas.microsoft.com/office/drawing/2010/main">
+                <a:solidFill>
+                  <a:srgbClr val="FFFFFF"/>
+                </a:solidFill>
+              </a14:hiddenFill>
+            </a:ext>
+          </a:extLst>
+        </p:spPr>
+      </p:pic>
+      <p:sp>
+        <p:nvSpPr>
+          <p:cNvPr id="12" name="ZoneTexte 11">
+            <a:extLst>
+              <a:ext uri="{FF2B5EF4-FFF2-40B4-BE49-F238E27FC236}">
+                <a16:creationId xmlns:a16="http://schemas.microsoft.com/office/drawing/2014/main" id="{C343ACA2-BC15-43E9-9F2A-33596E917F05}"/>
+              </a:ext>
+            </a:extLst>
+          </p:cNvPr>
+          <p:cNvSpPr txBox="1"/>
+          <p:nvPr/>
+        </p:nvSpPr>
+        <p:spPr>
+          <a:xfrm>
+            <a:off x="767178" y="5458619"/>
+            <a:ext cx="4905652" cy="307777"/>
+          </a:xfrm>
+          <a:prstGeom prst="rect">
+            <a:avLst/>
+          </a:prstGeom>
+          <a:noFill/>
+        </p:spPr>
+        <p:txBody>
+          <a:bodyPr wrap="square" rtlCol="0">
+            <a:spAutoFit/>
+          </a:bodyPr>
+          <a:lstStyle/>
+          <a:p>
+            <a:r>
+              <a:rPr lang="fr-FR" sz="1400" i="1" dirty="0"/>
+              <a:t>SUPERHOT</a:t>
+            </a:r>
+            <a:r>
+              <a:rPr lang="fr-FR" sz="1400" dirty="0"/>
+              <a:t>, de </a:t>
+            </a:r>
+            <a:r>
+              <a:rPr lang="fr-FR" sz="1400" dirty="0" err="1"/>
+              <a:t>SUPERHOt</a:t>
+            </a:r>
+            <a:r>
+              <a:rPr lang="fr-FR" sz="1400" dirty="0"/>
+              <a:t> TEAM, 2016</a:t>
+            </a:r>
+          </a:p>
+        </p:txBody>
+      </p:sp>
+      <p:sp>
+        <p:nvSpPr>
+          <p:cNvPr id="13" name="ZoneTexte 12">
+            <a:extLst>
+              <a:ext uri="{FF2B5EF4-FFF2-40B4-BE49-F238E27FC236}">
+                <a16:creationId xmlns:a16="http://schemas.microsoft.com/office/drawing/2014/main" id="{9AAC0354-8E4A-4075-B2F9-A8B0548FBFE0}"/>
+              </a:ext>
+            </a:extLst>
+          </p:cNvPr>
+          <p:cNvSpPr txBox="1"/>
+          <p:nvPr/>
+        </p:nvSpPr>
+        <p:spPr>
+          <a:xfrm>
+            <a:off x="6090822" y="5431986"/>
+            <a:ext cx="5262978" cy="523220"/>
+          </a:xfrm>
+          <a:prstGeom prst="rect">
+            <a:avLst/>
+          </a:prstGeom>
+          <a:noFill/>
+        </p:spPr>
+        <p:txBody>
+          <a:bodyPr wrap="square" rtlCol="0">
+            <a:spAutoFit/>
+          </a:bodyPr>
+          <a:lstStyle/>
+          <a:p>
+            <a:r>
+              <a:rPr lang="fr-FR" sz="1400" i="1" dirty="0"/>
+              <a:t>Pokémon </a:t>
+            </a:r>
+            <a:r>
+              <a:rPr lang="fr-FR" sz="1400" i="1" dirty="0" err="1"/>
+              <a:t>Mystery</a:t>
+            </a:r>
+            <a:r>
+              <a:rPr lang="fr-FR" sz="1400" i="1" dirty="0"/>
+              <a:t> Dungeon Rescue Team DX</a:t>
+            </a:r>
+            <a:r>
+              <a:rPr lang="fr-FR" sz="1400" dirty="0"/>
+              <a:t>, de Spike </a:t>
+            </a:r>
+            <a:r>
+              <a:rPr lang="fr-FR" sz="1400" dirty="0" err="1"/>
+              <a:t>Chunsoft</a:t>
+            </a:r>
+            <a:r>
+              <a:rPr lang="fr-FR" sz="1400" dirty="0"/>
+              <a:t>, édité par The Pokémon </a:t>
+            </a:r>
+            <a:r>
+              <a:rPr lang="fr-FR" sz="1400" dirty="0" err="1"/>
+              <a:t>Company</a:t>
+            </a:r>
+            <a:r>
+              <a:rPr lang="fr-FR" sz="1400" dirty="0"/>
+              <a:t>, 2020</a:t>
+            </a:r>
+          </a:p>
+        </p:txBody>
+      </p:sp>
+    </p:spTree>
+    <p:extLst>
+      <p:ext uri="{BB962C8B-B14F-4D97-AF65-F5344CB8AC3E}">
+        <p14:creationId xmlns:p14="http://schemas.microsoft.com/office/powerpoint/2010/main" val="4104054525"/>
+      </p:ext>
+    </p:extLst>
+  </p:cSld>
+  <p:clrMapOvr>
+    <a:masterClrMapping/>
+  </p:clrMapOvr>
+</p:sld>
+</file>
+
+<file path=ppt/slides/slide7.xml><?xml version="1.0" encoding="utf-8"?>
+<p:sld xmlns:a="http://schemas.openxmlformats.org/drawingml/2006/main" xmlns:r="http://schemas.openxmlformats.org/officeDocument/2006/relationships" xmlns:p="http://schemas.openxmlformats.org/presentationml/2006/main">
+  <p:cSld>
+    <p:spTree>
+      <p:nvGrpSpPr>
+        <p:cNvPr id="1" name=""/>
+        <p:cNvGrpSpPr/>
+        <p:nvPr/>
+      </p:nvGrpSpPr>
+      <p:grpSpPr>
+        <a:xfrm>
+          <a:off x="0" y="0"/>
+          <a:ext cx="0" cy="0"/>
+          <a:chOff x="0" y="0"/>
+          <a:chExt cx="0" cy="0"/>
+        </a:xfrm>
+      </p:grpSpPr>
+      <p:sp>
+        <p:nvSpPr>
+          <p:cNvPr id="2" name="Titre 1">
+            <a:extLst>
+              <a:ext uri="{FF2B5EF4-FFF2-40B4-BE49-F238E27FC236}">
+                <a16:creationId xmlns:a16="http://schemas.microsoft.com/office/drawing/2014/main" id="{7B7E37D8-D604-4081-BC32-2961BB34D7C5}"/>
+              </a:ext>
+            </a:extLst>
+          </p:cNvPr>
+          <p:cNvSpPr>
+            <a:spLocks noGrp="1"/>
+          </p:cNvSpPr>
+          <p:nvPr>
+            <p:ph type="title"/>
+          </p:nvPr>
+        </p:nvSpPr>
+        <p:spPr/>
+        <p:txBody>
+          <a:bodyPr/>
+          <a:lstStyle/>
+          <a:p>
+            <a:r>
+              <a:rPr lang="fr-FR" dirty="0"/>
+              <a:t>Références – Terrain évolutif </a:t>
+            </a:r>
+          </a:p>
+        </p:txBody>
+      </p:sp>
+      <p:pic>
+        <p:nvPicPr>
+          <p:cNvPr id="3076" name="Picture 4" descr="https://cdn.akamai.steamstatic.com/steam/apps/1276790/capsule_616x353.jpg?t=1637186196">
+            <a:extLst>
+              <a:ext uri="{FF2B5EF4-FFF2-40B4-BE49-F238E27FC236}">
+                <a16:creationId xmlns:a16="http://schemas.microsoft.com/office/drawing/2014/main" id="{8B987F12-831A-439E-9B9C-49925DC581E7}"/>
+              </a:ext>
+            </a:extLst>
+          </p:cNvPr>
+          <p:cNvPicPr>
+            <a:picLocks noGrp="1" noChangeAspect="1" noChangeArrowheads="1"/>
+          </p:cNvPicPr>
+          <p:nvPr>
+            <p:ph sz="half" idx="2"/>
+          </p:nvPr>
+        </p:nvPicPr>
+        <p:blipFill>
+          <a:blip r:embed="rId2">
+            <a:extLst>
+              <a:ext uri="{28A0092B-C50C-407E-A947-70E740481C1C}">
+                <a14:useLocalDpi xmlns:a14="http://schemas.microsoft.com/office/drawing/2010/main" val="0"/>
+              </a:ext>
+            </a:extLst>
+          </a:blip>
+          <a:srcRect/>
+          <a:stretch>
+            <a:fillRect/>
+          </a:stretch>
+        </p:blipFill>
+        <p:spPr bwMode="auto">
+          <a:xfrm>
+            <a:off x="6172200" y="2516631"/>
+            <a:ext cx="5181600" cy="2969325"/>
+          </a:xfrm>
+          <a:prstGeom prst="rect">
+            <a:avLst/>
+          </a:prstGeom>
+          <a:noFill/>
+          <a:extLst>
+            <a:ext uri="{909E8E84-426E-40DD-AFC4-6F175D3DCCD1}">
+              <a14:hiddenFill xmlns:a14="http://schemas.microsoft.com/office/drawing/2010/main">
+                <a:solidFill>
+                  <a:srgbClr val="FFFFFF"/>
+                </a:solidFill>
+              </a14:hiddenFill>
+            </a:ext>
+          </a:extLst>
+        </p:spPr>
+      </p:pic>
+      <p:pic>
+        <p:nvPicPr>
+          <p:cNvPr id="3078" name="Picture 6" descr="https://www.nintendo-difference.com/wp-content/uploads/2021/11/002-4.jpg">
+            <a:extLst>
+              <a:ext uri="{FF2B5EF4-FFF2-40B4-BE49-F238E27FC236}">
+                <a16:creationId xmlns:a16="http://schemas.microsoft.com/office/drawing/2014/main" id="{FF4B3BB8-20BD-48FF-A345-8E9C6EEC05AB}"/>
+              </a:ext>
+            </a:extLst>
+          </p:cNvPr>
+          <p:cNvPicPr>
+            <a:picLocks noGrp="1" noChangeAspect="1" noChangeArrowheads="1"/>
+          </p:cNvPicPr>
+          <p:nvPr>
+            <p:ph sz="half" idx="1"/>
+          </p:nvPr>
+        </p:nvPicPr>
+        <p:blipFill>
+          <a:blip r:embed="rId3">
+            <a:extLst>
+              <a:ext uri="{28A0092B-C50C-407E-A947-70E740481C1C}">
+                <a14:useLocalDpi xmlns:a14="http://schemas.microsoft.com/office/drawing/2010/main" val="0"/>
+              </a:ext>
+            </a:extLst>
+          </a:blip>
+          <a:srcRect/>
+          <a:stretch>
+            <a:fillRect/>
+          </a:stretch>
+        </p:blipFill>
+        <p:spPr bwMode="auto">
+          <a:xfrm>
+            <a:off x="838200" y="2543969"/>
+            <a:ext cx="5181600" cy="2914650"/>
+          </a:xfrm>
+          <a:prstGeom prst="rect">
+            <a:avLst/>
+          </a:prstGeom>
+          <a:noFill/>
+          <a:extLst>
+            <a:ext uri="{909E8E84-426E-40DD-AFC4-6F175D3DCCD1}">
+              <a14:hiddenFill xmlns:a14="http://schemas.microsoft.com/office/drawing/2010/main">
+                <a:solidFill>
+                  <a:srgbClr val="FFFFFF"/>
+                </a:solidFill>
+              </a14:hiddenFill>
+            </a:ext>
+          </a:extLst>
+        </p:spPr>
+      </p:pic>
+      <p:sp>
+        <p:nvSpPr>
+          <p:cNvPr id="8" name="ZoneTexte 7">
+            <a:extLst>
+              <a:ext uri="{FF2B5EF4-FFF2-40B4-BE49-F238E27FC236}">
+                <a16:creationId xmlns:a16="http://schemas.microsoft.com/office/drawing/2014/main" id="{B1292441-3F9F-4A56-8630-008E95063494}"/>
+              </a:ext>
+            </a:extLst>
+          </p:cNvPr>
+          <p:cNvSpPr txBox="1"/>
+          <p:nvPr/>
+        </p:nvSpPr>
+        <p:spPr>
+          <a:xfrm>
+            <a:off x="767179" y="5458619"/>
+            <a:ext cx="5074328" cy="307777"/>
+          </a:xfrm>
+          <a:prstGeom prst="rect">
+            <a:avLst/>
+          </a:prstGeom>
+          <a:noFill/>
+        </p:spPr>
+        <p:txBody>
+          <a:bodyPr wrap="square" rtlCol="0">
+            <a:spAutoFit/>
+          </a:bodyPr>
+          <a:lstStyle/>
+          <a:p>
+            <a:r>
+              <a:rPr lang="fr-FR" sz="1400" i="1" dirty="0"/>
+              <a:t>Baba </a:t>
+            </a:r>
+            <a:r>
+              <a:rPr lang="fr-FR" sz="1400" i="1" dirty="0" err="1"/>
+              <a:t>is</a:t>
+            </a:r>
+            <a:r>
+              <a:rPr lang="fr-FR" sz="1400" i="1" dirty="0"/>
+              <a:t> You</a:t>
+            </a:r>
+            <a:r>
+              <a:rPr lang="fr-FR" sz="1400" dirty="0"/>
+              <a:t>, de </a:t>
+            </a:r>
+            <a:r>
+              <a:rPr lang="fr-FR" sz="1400" dirty="0" err="1"/>
+              <a:t>Hempuli</a:t>
+            </a:r>
+            <a:r>
+              <a:rPr lang="fr-FR" sz="1400" dirty="0"/>
+              <a:t> Oy</a:t>
+            </a:r>
+          </a:p>
+        </p:txBody>
+      </p:sp>
+      <p:sp>
+        <p:nvSpPr>
+          <p:cNvPr id="9" name="ZoneTexte 8">
+            <a:extLst>
+              <a:ext uri="{FF2B5EF4-FFF2-40B4-BE49-F238E27FC236}">
+                <a16:creationId xmlns:a16="http://schemas.microsoft.com/office/drawing/2014/main" id="{53CF2C25-DCD9-4E30-B3BC-8B42D9CE6246}"/>
+              </a:ext>
+            </a:extLst>
+          </p:cNvPr>
+          <p:cNvSpPr txBox="1"/>
+          <p:nvPr/>
+        </p:nvSpPr>
+        <p:spPr>
+          <a:xfrm>
+            <a:off x="6090821" y="5437854"/>
+            <a:ext cx="5181600" cy="523220"/>
+          </a:xfrm>
+          <a:prstGeom prst="rect">
+            <a:avLst/>
+          </a:prstGeom>
+          <a:noFill/>
+        </p:spPr>
+        <p:txBody>
+          <a:bodyPr wrap="square" rtlCol="0">
+            <a:spAutoFit/>
+          </a:bodyPr>
+          <a:lstStyle/>
+          <a:p>
+            <a:r>
+              <a:rPr lang="fr-FR" sz="1400" i="1" dirty="0" err="1"/>
+              <a:t>Ruined</a:t>
+            </a:r>
+            <a:r>
+              <a:rPr lang="fr-FR" sz="1400" i="1" dirty="0"/>
+              <a:t> King : A League of Legends Story</a:t>
+            </a:r>
+            <a:r>
+              <a:rPr lang="fr-FR" sz="1400" dirty="0"/>
+              <a:t>, de </a:t>
+            </a:r>
+            <a:r>
+              <a:rPr lang="fr-FR" sz="1400" dirty="0" err="1"/>
+              <a:t>Airship</a:t>
+            </a:r>
+            <a:r>
+              <a:rPr lang="fr-FR" sz="1400" dirty="0"/>
+              <a:t> Syndicate, édité par </a:t>
+            </a:r>
+            <a:r>
+              <a:rPr lang="fr-FR" sz="1400" dirty="0" err="1"/>
+              <a:t>Riot</a:t>
+            </a:r>
+            <a:r>
+              <a:rPr lang="fr-FR" sz="1400" dirty="0"/>
+              <a:t> Forge</a:t>
+            </a:r>
+          </a:p>
+        </p:txBody>
+      </p:sp>
+    </p:spTree>
+    <p:extLst>
+      <p:ext uri="{BB962C8B-B14F-4D97-AF65-F5344CB8AC3E}">
+        <p14:creationId xmlns:p14="http://schemas.microsoft.com/office/powerpoint/2010/main" val="517615125"/>
+      </p:ext>
+    </p:extLst>
+  </p:cSld>
+  <p:clrMapOvr>
+    <a:masterClrMapping/>
+  </p:clrMapOvr>
+</p:sld>
+</file>
+
+<file path=ppt/slides/slide8.xml><?xml version="1.0" encoding="utf-8"?>
+<p:sld xmlns:a="http://schemas.openxmlformats.org/drawingml/2006/main" xmlns:r="http://schemas.openxmlformats.org/officeDocument/2006/relationships" xmlns:p="http://schemas.openxmlformats.org/presentationml/2006/main">
+  <p:cSld>
+    <p:spTree>
+      <p:nvGrpSpPr>
+        <p:cNvPr id="1" name=""/>
+        <p:cNvGrpSpPr/>
+        <p:nvPr/>
+      </p:nvGrpSpPr>
+      <p:grpSpPr>
+        <a:xfrm>
+          <a:off x="0" y="0"/>
+          <a:ext cx="0" cy="0"/>
+          <a:chOff x="0" y="0"/>
+          <a:chExt cx="0" cy="0"/>
+        </a:xfrm>
+      </p:grpSpPr>
+      <p:sp>
+        <p:nvSpPr>
+          <p:cNvPr id="2" name="Titre 1">
+            <a:extLst>
+              <a:ext uri="{FF2B5EF4-FFF2-40B4-BE49-F238E27FC236}">
                 <a16:creationId xmlns:a16="http://schemas.microsoft.com/office/drawing/2014/main" id="{B389C232-4101-458B-963E-2DEC435F526C}"/>
               </a:ext>
             </a:extLst>
@@ -3903,7 +4694,7 @@
           <a:bodyPr/>
           <a:lstStyle/>
           <a:p>
-            <a:endParaRPr lang="fr-FR"/>
+            <a:endParaRPr lang="fr-FR" dirty="0"/>
           </a:p>
         </p:txBody>
       </p:sp>
@@ -3920,7 +4711,7 @@
 </p:sld>
 </file>
 
-<file path=ppt/slides/slide7.xml><?xml version="1.0" encoding="utf-8"?>
+<file path=ppt/slides/slide9.xml><?xml version="1.0" encoding="utf-8"?>
 <p:sld xmlns:a="http://schemas.openxmlformats.org/drawingml/2006/main" xmlns:r="http://schemas.openxmlformats.org/officeDocument/2006/relationships" xmlns:p="http://schemas.openxmlformats.org/presentationml/2006/main">
   <p:cSld>
     <p:spTree>

--- a/Documents/Oiseau qui fait brrrr.pptx
+++ b/Documents/Oiseau qui fait brrrr.pptx
@@ -14,6 +14,7 @@
     <p:sldId id="263" r:id="rId8"/>
     <p:sldId id="260" r:id="rId9"/>
     <p:sldId id="259" r:id="rId10"/>
+    <p:sldId id="265" r:id="rId11"/>
   </p:sldIdLst>
   <p:sldSz cx="12192000" cy="6858000"/>
   <p:notesSz cx="6858000" cy="9144000"/>
@@ -267,7 +268,7 @@
           <a:p>
             <a:fld id="{FE0551F4-6C62-42E5-A562-C69B050529F5}" type="datetimeFigureOut">
               <a:rPr lang="fr-FR" smtClean="0"/>
-              <a:t>20/02/2022</a:t>
+              <a:t>21/02/2022</a:t>
             </a:fld>
             <a:endParaRPr lang="fr-FR"/>
           </a:p>
@@ -465,7 +466,7 @@
           <a:p>
             <a:fld id="{FE0551F4-6C62-42E5-A562-C69B050529F5}" type="datetimeFigureOut">
               <a:rPr lang="fr-FR" smtClean="0"/>
-              <a:t>20/02/2022</a:t>
+              <a:t>21/02/2022</a:t>
             </a:fld>
             <a:endParaRPr lang="fr-FR"/>
           </a:p>
@@ -673,7 +674,7 @@
           <a:p>
             <a:fld id="{FE0551F4-6C62-42E5-A562-C69B050529F5}" type="datetimeFigureOut">
               <a:rPr lang="fr-FR" smtClean="0"/>
-              <a:t>20/02/2022</a:t>
+              <a:t>21/02/2022</a:t>
             </a:fld>
             <a:endParaRPr lang="fr-FR"/>
           </a:p>
@@ -871,7 +872,7 @@
           <a:p>
             <a:fld id="{FE0551F4-6C62-42E5-A562-C69B050529F5}" type="datetimeFigureOut">
               <a:rPr lang="fr-FR" smtClean="0"/>
-              <a:t>20/02/2022</a:t>
+              <a:t>21/02/2022</a:t>
             </a:fld>
             <a:endParaRPr lang="fr-FR"/>
           </a:p>
@@ -1146,7 +1147,7 @@
           <a:p>
             <a:fld id="{FE0551F4-6C62-42E5-A562-C69B050529F5}" type="datetimeFigureOut">
               <a:rPr lang="fr-FR" smtClean="0"/>
-              <a:t>20/02/2022</a:t>
+              <a:t>21/02/2022</a:t>
             </a:fld>
             <a:endParaRPr lang="fr-FR"/>
           </a:p>
@@ -1411,7 +1412,7 @@
           <a:p>
             <a:fld id="{FE0551F4-6C62-42E5-A562-C69B050529F5}" type="datetimeFigureOut">
               <a:rPr lang="fr-FR" smtClean="0"/>
-              <a:t>20/02/2022</a:t>
+              <a:t>21/02/2022</a:t>
             </a:fld>
             <a:endParaRPr lang="fr-FR"/>
           </a:p>
@@ -1823,7 +1824,7 @@
           <a:p>
             <a:fld id="{FE0551F4-6C62-42E5-A562-C69B050529F5}" type="datetimeFigureOut">
               <a:rPr lang="fr-FR" smtClean="0"/>
-              <a:t>20/02/2022</a:t>
+              <a:t>21/02/2022</a:t>
             </a:fld>
             <a:endParaRPr lang="fr-FR"/>
           </a:p>
@@ -1964,7 +1965,7 @@
           <a:p>
             <a:fld id="{FE0551F4-6C62-42E5-A562-C69B050529F5}" type="datetimeFigureOut">
               <a:rPr lang="fr-FR" smtClean="0"/>
-              <a:t>20/02/2022</a:t>
+              <a:t>21/02/2022</a:t>
             </a:fld>
             <a:endParaRPr lang="fr-FR"/>
           </a:p>
@@ -2077,7 +2078,7 @@
           <a:p>
             <a:fld id="{FE0551F4-6C62-42E5-A562-C69B050529F5}" type="datetimeFigureOut">
               <a:rPr lang="fr-FR" smtClean="0"/>
-              <a:t>20/02/2022</a:t>
+              <a:t>21/02/2022</a:t>
             </a:fld>
             <a:endParaRPr lang="fr-FR"/>
           </a:p>
@@ -2388,7 +2389,7 @@
           <a:p>
             <a:fld id="{FE0551F4-6C62-42E5-A562-C69B050529F5}" type="datetimeFigureOut">
               <a:rPr lang="fr-FR" smtClean="0"/>
-              <a:t>20/02/2022</a:t>
+              <a:t>21/02/2022</a:t>
             </a:fld>
             <a:endParaRPr lang="fr-FR"/>
           </a:p>
@@ -2676,7 +2677,7 @@
           <a:p>
             <a:fld id="{FE0551F4-6C62-42E5-A562-C69B050529F5}" type="datetimeFigureOut">
               <a:rPr lang="fr-FR" smtClean="0"/>
-              <a:t>20/02/2022</a:t>
+              <a:t>21/02/2022</a:t>
             </a:fld>
             <a:endParaRPr lang="fr-FR"/>
           </a:p>
@@ -2917,7 +2918,7 @@
           <a:p>
             <a:fld id="{FE0551F4-6C62-42E5-A562-C69B050529F5}" type="datetimeFigureOut">
               <a:rPr lang="fr-FR" smtClean="0"/>
-              <a:t>20/02/2022</a:t>
+              <a:t>21/02/2022</a:t>
             </a:fld>
             <a:endParaRPr lang="fr-FR"/>
           </a:p>
@@ -3408,6 +3409,111 @@
 </p:sld>
 </file>
 
+<file path=ppt/slides/slide10.xml><?xml version="1.0" encoding="utf-8"?>
+<p:sld xmlns:a="http://schemas.openxmlformats.org/drawingml/2006/main" xmlns:r="http://schemas.openxmlformats.org/officeDocument/2006/relationships" xmlns:p="http://schemas.openxmlformats.org/presentationml/2006/main">
+  <p:cSld>
+    <p:spTree>
+      <p:nvGrpSpPr>
+        <p:cNvPr id="1" name=""/>
+        <p:cNvGrpSpPr/>
+        <p:nvPr/>
+      </p:nvGrpSpPr>
+      <p:grpSpPr>
+        <a:xfrm>
+          <a:off x="0" y="0"/>
+          <a:ext cx="0" cy="0"/>
+          <a:chOff x="0" y="0"/>
+          <a:chExt cx="0" cy="0"/>
+        </a:xfrm>
+      </p:grpSpPr>
+      <p:sp>
+        <p:nvSpPr>
+          <p:cNvPr id="2" name="Titre 1">
+            <a:extLst>
+              <a:ext uri="{FF2B5EF4-FFF2-40B4-BE49-F238E27FC236}">
+                <a16:creationId xmlns:a16="http://schemas.microsoft.com/office/drawing/2014/main" id="{84241AA3-265C-49A6-995B-7060E3AE5B5A}"/>
+              </a:ext>
+            </a:extLst>
+          </p:cNvPr>
+          <p:cNvSpPr>
+            <a:spLocks noGrp="1"/>
+          </p:cNvSpPr>
+          <p:nvPr>
+            <p:ph type="title"/>
+          </p:nvPr>
+        </p:nvSpPr>
+        <p:spPr/>
+        <p:txBody>
+          <a:bodyPr/>
+          <a:lstStyle/>
+          <a:p>
+            <a:r>
+              <a:rPr lang="fr-FR" dirty="0"/>
+              <a:t>Perspective d’avenir/avancement </a:t>
+            </a:r>
+            <a:r>
+              <a:rPr lang="fr-FR" dirty="0" err="1"/>
+              <a:t>proojet</a:t>
+            </a:r>
+            <a:endParaRPr lang="fr-FR" dirty="0"/>
+          </a:p>
+        </p:txBody>
+      </p:sp>
+      <p:sp>
+        <p:nvSpPr>
+          <p:cNvPr id="3" name="Espace réservé du contenu 2">
+            <a:extLst>
+              <a:ext uri="{FF2B5EF4-FFF2-40B4-BE49-F238E27FC236}">
+                <a16:creationId xmlns:a16="http://schemas.microsoft.com/office/drawing/2014/main" id="{D7C8A4AA-F3A5-4C52-B220-969A86683A5B}"/>
+              </a:ext>
+            </a:extLst>
+          </p:cNvPr>
+          <p:cNvSpPr>
+            <a:spLocks noGrp="1"/>
+          </p:cNvSpPr>
+          <p:nvPr>
+            <p:ph idx="1"/>
+          </p:nvPr>
+        </p:nvSpPr>
+        <p:spPr/>
+        <p:txBody>
+          <a:bodyPr/>
+          <a:lstStyle/>
+          <a:p>
+            <a:endParaRPr lang="fr-FR" dirty="0"/>
+          </a:p>
+          <a:p>
+            <a:endParaRPr lang="fr-FR" dirty="0"/>
+          </a:p>
+          <a:p>
+            <a:r>
+              <a:rPr lang="fr-FR" dirty="0"/>
+              <a:t>Un puzzle </a:t>
+            </a:r>
+            <a:r>
+              <a:rPr lang="fr-FR" dirty="0" err="1"/>
+              <a:t>game</a:t>
+            </a:r>
+            <a:r>
+              <a:rPr lang="fr-FR" dirty="0"/>
+              <a:t> en 3D dans lequel le joueur contrôle un avatar et parcourt des tableaux quadrillés. la topologie des tableaux évolue en fonction des mouvements du joueurs, ceux-ci étant décomptés. Lorsque le joueur consomme tous ses déplacements, les éléments du monde et son avatar sont renvoyé à leur position d'origine. le joueur doit explorer l'environnement et comprendre son rythme afin de résoudre le puzzle de chaque tableau. </a:t>
+            </a:r>
+          </a:p>
+        </p:txBody>
+      </p:sp>
+    </p:spTree>
+    <p:extLst>
+      <p:ext uri="{BB962C8B-B14F-4D97-AF65-F5344CB8AC3E}">
+        <p14:creationId xmlns:p14="http://schemas.microsoft.com/office/powerpoint/2010/main" val="768694219"/>
+      </p:ext>
+    </p:extLst>
+  </p:cSld>
+  <p:clrMapOvr>
+    <a:masterClrMapping/>
+  </p:clrMapOvr>
+</p:sld>
+</file>
+
 <file path=ppt/slides/slide2.xml><?xml version="1.0" encoding="utf-8"?>
 <p:sld xmlns:a="http://schemas.openxmlformats.org/drawingml/2006/main" xmlns:r="http://schemas.openxmlformats.org/officeDocument/2006/relationships" xmlns:p="http://schemas.openxmlformats.org/presentationml/2006/main">
   <p:cSld>
@@ -3628,26 +3734,99 @@
       </p:sp>
       <p:sp>
         <p:nvSpPr>
-          <p:cNvPr id="3" name="Espace réservé du contenu 2">
-            <a:extLst>
-              <a:ext uri="{FF2B5EF4-FFF2-40B4-BE49-F238E27FC236}">
-                <a16:creationId xmlns:a16="http://schemas.microsoft.com/office/drawing/2014/main" id="{2F472399-789B-4429-983B-25A477EC5895}"/>
-              </a:ext>
-            </a:extLst>
-          </p:cNvPr>
-          <p:cNvSpPr>
-            <a:spLocks noGrp="1"/>
-          </p:cNvSpPr>
-          <p:nvPr>
-            <p:ph idx="1"/>
-          </p:nvPr>
-        </p:nvSpPr>
-        <p:spPr/>
-        <p:txBody>
-          <a:bodyPr/>
-          <a:lstStyle/>
-          <a:p>
-            <a:endParaRPr lang="fr-FR"/>
+          <p:cNvPr id="4" name="Espace réservé du contenu 3">
+            <a:extLst>
+              <a:ext uri="{FF2B5EF4-FFF2-40B4-BE49-F238E27FC236}">
+                <a16:creationId xmlns:a16="http://schemas.microsoft.com/office/drawing/2014/main" id="{914AF26B-611D-4D27-864F-75280AAD0DA5}"/>
+              </a:ext>
+            </a:extLst>
+          </p:cNvPr>
+          <p:cNvSpPr>
+            <a:spLocks noGrp="1"/>
+          </p:cNvSpPr>
+          <p:nvPr>
+            <p:ph sz="half" idx="1"/>
+          </p:nvPr>
+        </p:nvSpPr>
+        <p:spPr/>
+        <p:txBody>
+          <a:bodyPr/>
+          <a:lstStyle/>
+          <a:p>
+            <a:endParaRPr lang="fr-FR" dirty="0"/>
+          </a:p>
+          <a:p>
+            <a:r>
+              <a:rPr lang="fr-FR" dirty="0"/>
+              <a:t>Répétition </a:t>
+            </a:r>
+          </a:p>
+          <a:p>
+            <a:endParaRPr lang="fr-FR" dirty="0"/>
+          </a:p>
+          <a:p>
+            <a:r>
+              <a:rPr lang="fr-FR" dirty="0"/>
+              <a:t>Variation</a:t>
+            </a:r>
+          </a:p>
+          <a:p>
+            <a:endParaRPr lang="fr-FR" dirty="0"/>
+          </a:p>
+          <a:p>
+            <a:r>
+              <a:rPr lang="fr-FR" dirty="0"/>
+              <a:t>Evolution</a:t>
+            </a:r>
+          </a:p>
+        </p:txBody>
+      </p:sp>
+      <p:sp>
+        <p:nvSpPr>
+          <p:cNvPr id="5" name="Espace réservé du contenu 4">
+            <a:extLst>
+              <a:ext uri="{FF2B5EF4-FFF2-40B4-BE49-F238E27FC236}">
+                <a16:creationId xmlns:a16="http://schemas.microsoft.com/office/drawing/2014/main" id="{4341EAE7-FA46-4FD3-B4E7-D7D4E6598075}"/>
+              </a:ext>
+            </a:extLst>
+          </p:cNvPr>
+          <p:cNvSpPr>
+            <a:spLocks noGrp="1"/>
+          </p:cNvSpPr>
+          <p:nvPr>
+            <p:ph sz="half" idx="2"/>
+          </p:nvPr>
+        </p:nvSpPr>
+        <p:spPr/>
+        <p:txBody>
+          <a:bodyPr/>
+          <a:lstStyle/>
+          <a:p>
+            <a:endParaRPr lang="fr-FR" dirty="0"/>
+          </a:p>
+          <a:p>
+            <a:r>
+              <a:rPr lang="fr-FR" dirty="0"/>
+              <a:t>Mémoriser</a:t>
+            </a:r>
+          </a:p>
+          <a:p>
+            <a:endParaRPr lang="fr-FR" dirty="0"/>
+          </a:p>
+          <a:p>
+            <a:r>
+              <a:rPr lang="fr-FR" dirty="0"/>
+              <a:t>Apprendre</a:t>
+            </a:r>
+          </a:p>
+          <a:p>
+            <a:endParaRPr lang="fr-FR" dirty="0"/>
+          </a:p>
+          <a:p>
+            <a:r>
+              <a:rPr lang="fr-FR" dirty="0"/>
+              <a:t>S’adapter</a:t>
+            </a:r>
           </a:p>
         </p:txBody>
       </p:sp>
@@ -4694,7 +4873,34 @@
           <a:bodyPr/>
           <a:lstStyle/>
           <a:p>
+            <a:r>
+              <a:rPr lang="fr-FR" dirty="0"/>
+              <a:t>Le joueur contrôle un avatar et parcourt un world quadrillé, il se déplace case par case et à une limite de case qu’il peut parcourir.</a:t>
+            </a:r>
+          </a:p>
+          <a:p>
+            <a:pPr marL="0" indent="0">
+              <a:buNone/>
+            </a:pPr>
+            <a:r>
+              <a:rPr lang="fr-FR" dirty="0"/>
+              <a:t> </a:t>
+            </a:r>
+          </a:p>
+          <a:p>
+            <a:r>
+              <a:rPr lang="fr-FR" dirty="0"/>
+              <a:t>La topologie du world évolue en fonction des mouvements du joueurs</a:t>
+            </a:r>
+          </a:p>
+          <a:p>
             <a:endParaRPr lang="fr-FR" dirty="0"/>
+          </a:p>
+          <a:p>
+            <a:r>
+              <a:rPr lang="fr-FR" dirty="0"/>
+              <a:t>Lorsque le joueur consomme tous ses déplacements, les éléments du monde et son avatar sont renvoyé à leur position d'origine. </a:t>
+            </a:r>
           </a:p>
         </p:txBody>
       </p:sp>
